--- a/Bandits Presentation.pptx
+++ b/Bandits Presentation.pptx
@@ -5,7 +5,7 @@
     <p:sldMasterId id="2147483959" r:id="rId1"/>
   </p:sldMasterIdLst>
   <p:notesMasterIdLst>
-    <p:notesMasterId r:id="rId26"/>
+    <p:notesMasterId r:id="rId29"/>
   </p:notesMasterIdLst>
   <p:sldIdLst>
     <p:sldId id="256" r:id="rId2"/>
@@ -14,24 +14,27 @@
     <p:sldId id="275" r:id="rId5"/>
     <p:sldId id="277" r:id="rId6"/>
     <p:sldId id="273" r:id="rId7"/>
-    <p:sldId id="261" r:id="rId8"/>
-    <p:sldId id="283" r:id="rId9"/>
-    <p:sldId id="262" r:id="rId10"/>
-    <p:sldId id="263" r:id="rId11"/>
-    <p:sldId id="279" r:id="rId12"/>
-    <p:sldId id="264" r:id="rId13"/>
-    <p:sldId id="284" r:id="rId14"/>
-    <p:sldId id="265" r:id="rId15"/>
-    <p:sldId id="266" r:id="rId16"/>
-    <p:sldId id="267" r:id="rId17"/>
-    <p:sldId id="268" r:id="rId18"/>
-    <p:sldId id="269" r:id="rId19"/>
-    <p:sldId id="281" r:id="rId20"/>
-    <p:sldId id="282" r:id="rId21"/>
-    <p:sldId id="270" r:id="rId22"/>
-    <p:sldId id="271" r:id="rId23"/>
-    <p:sldId id="272" r:id="rId24"/>
-    <p:sldId id="278" r:id="rId25"/>
+    <p:sldId id="285" r:id="rId8"/>
+    <p:sldId id="261" r:id="rId9"/>
+    <p:sldId id="283" r:id="rId10"/>
+    <p:sldId id="262" r:id="rId11"/>
+    <p:sldId id="263" r:id="rId12"/>
+    <p:sldId id="279" r:id="rId13"/>
+    <p:sldId id="264" r:id="rId14"/>
+    <p:sldId id="284" r:id="rId15"/>
+    <p:sldId id="286" r:id="rId16"/>
+    <p:sldId id="265" r:id="rId17"/>
+    <p:sldId id="266" r:id="rId18"/>
+    <p:sldId id="267" r:id="rId19"/>
+    <p:sldId id="287" r:id="rId20"/>
+    <p:sldId id="268" r:id="rId21"/>
+    <p:sldId id="269" r:id="rId22"/>
+    <p:sldId id="281" r:id="rId23"/>
+    <p:sldId id="282" r:id="rId24"/>
+    <p:sldId id="270" r:id="rId25"/>
+    <p:sldId id="271" r:id="rId26"/>
+    <p:sldId id="272" r:id="rId27"/>
+    <p:sldId id="278" r:id="rId28"/>
   </p:sldIdLst>
   <p:sldSz cx="12192000" cy="6858000"/>
   <p:notesSz cx="6858000" cy="9144000"/>
@@ -220,7 +223,7 @@
           <a:p>
             <a:fld id="{E9918A7D-0E8B-D241-B6BF-997D9AF52FE1}" type="datetimeFigureOut">
               <a:rPr lang="en-US" smtClean="0"/>
-              <a:t>11/26/18</a:t>
+              <a:t>11/28/18</a:t>
             </a:fld>
             <a:endParaRPr lang="en-US"/>
           </a:p>
@@ -865,7 +868,7 @@
           <a:p>
             <a:fld id="{F3296450-986B-5A47-895C-6258FC9F8DB5}" type="slidenum">
               <a:rPr lang="en-US" smtClean="0"/>
-              <a:t>11</a:t>
+              <a:t>12</a:t>
             </a:fld>
             <a:endParaRPr lang="en-US"/>
           </a:p>
@@ -965,7 +968,7 @@
           <a:p>
             <a:fld id="{F3296450-986B-5A47-895C-6258FC9F8DB5}" type="slidenum">
               <a:rPr lang="en-US" smtClean="0"/>
-              <a:t>17</a:t>
+              <a:t>20</a:t>
             </a:fld>
             <a:endParaRPr lang="en-US"/>
           </a:p>
@@ -1057,7 +1060,7 @@
           <a:p>
             <a:fld id="{F3296450-986B-5A47-895C-6258FC9F8DB5}" type="slidenum">
               <a:rPr lang="en-US" smtClean="0"/>
-              <a:t>19</a:t>
+              <a:t>22</a:t>
             </a:fld>
             <a:endParaRPr lang="en-US"/>
           </a:p>
@@ -1153,7 +1156,7 @@
           <a:p>
             <a:fld id="{F3296450-986B-5A47-895C-6258FC9F8DB5}" type="slidenum">
               <a:rPr lang="en-US" smtClean="0"/>
-              <a:t>21</a:t>
+              <a:t>24</a:t>
             </a:fld>
             <a:endParaRPr lang="en-US"/>
           </a:p>
@@ -1261,7 +1264,7 @@
           <a:p>
             <a:fld id="{F3296450-986B-5A47-895C-6258FC9F8DB5}" type="slidenum">
               <a:rPr lang="en-US" smtClean="0"/>
-              <a:t>22</a:t>
+              <a:t>25</a:t>
             </a:fld>
             <a:endParaRPr lang="en-US"/>
           </a:p>
@@ -2002,7 +2005,7 @@
           <a:p>
             <a:fld id="{DEA5D4D0-1332-1842-B824-BEDE38397936}" type="datetime1">
               <a:rPr lang="en-CA" smtClean="0"/>
-              <a:t>2018-11-27</a:t>
+              <a:t>2018-11-28</a:t>
             </a:fld>
             <a:endParaRPr lang="en-US" dirty="0"/>
           </a:p>
@@ -2259,7 +2262,7 @@
           <a:p>
             <a:fld id="{4B27EA6C-FE6A-EB45-A4E3-E3224ECA7DF5}" type="datetime1">
               <a:rPr lang="en-CA" smtClean="0"/>
-              <a:t>2018-11-27</a:t>
+              <a:t>2018-11-28</a:t>
             </a:fld>
             <a:endParaRPr lang="en-US" dirty="0"/>
           </a:p>
@@ -2574,7 +2577,7 @@
           <a:p>
             <a:fld id="{5F8F484B-F7F3-EB40-A05C-42A72E2FC698}" type="datetime1">
               <a:rPr lang="en-CA" smtClean="0"/>
-              <a:t>2018-11-27</a:t>
+              <a:t>2018-11-28</a:t>
             </a:fld>
             <a:endParaRPr lang="en-US" dirty="0"/>
           </a:p>
@@ -2916,7 +2919,7 @@
           <a:p>
             <a:fld id="{23F02CF7-C26A-0A4C-927E-51D333520AF8}" type="datetime1">
               <a:rPr lang="en-CA" smtClean="0"/>
-              <a:t>2018-11-27</a:t>
+              <a:t>2018-11-28</a:t>
             </a:fld>
             <a:endParaRPr lang="en-US" dirty="0"/>
           </a:p>
@@ -3231,7 +3234,7 @@
           <a:p>
             <a:fld id="{72E91018-E3E1-8344-ACEF-3B8827CFC093}" type="datetime1">
               <a:rPr lang="en-CA" smtClean="0"/>
-              <a:t>2018-11-27</a:t>
+              <a:t>2018-11-28</a:t>
             </a:fld>
             <a:endParaRPr lang="en-US" dirty="0"/>
           </a:p>
@@ -3625,7 +3628,7 @@
           <a:p>
             <a:fld id="{B291DFBE-785C-9F40-9D53-008D815CD0FB}" type="datetime1">
               <a:rPr lang="en-CA" smtClean="0"/>
-              <a:t>2018-11-27</a:t>
+              <a:t>2018-11-28</a:t>
             </a:fld>
             <a:endParaRPr lang="en-US" dirty="0"/>
           </a:p>
@@ -3796,7 +3799,7 @@
           <a:p>
             <a:fld id="{E5DD5B68-97BC-CA4F-AAF9-DA42920CB4D5}" type="datetime1">
               <a:rPr lang="en-CA" smtClean="0"/>
-              <a:t>2018-11-27</a:t>
+              <a:t>2018-11-28</a:t>
             </a:fld>
             <a:endParaRPr lang="en-US" dirty="0"/>
           </a:p>
@@ -3976,7 +3979,7 @@
           <a:p>
             <a:fld id="{336D532F-C1B8-434C-864F-EF6FABDFCE11}" type="datetime1">
               <a:rPr lang="en-CA" smtClean="0"/>
-              <a:t>2018-11-27</a:t>
+              <a:t>2018-11-28</a:t>
             </a:fld>
             <a:endParaRPr lang="en-US" dirty="0"/>
           </a:p>
@@ -4153,7 +4156,7 @@
           <a:p>
             <a:fld id="{CDB87863-C848-B44C-A897-727CD0E087D7}" type="datetime1">
               <a:rPr lang="en-CA" smtClean="0"/>
-              <a:t>2018-11-27</a:t>
+              <a:t>2018-11-28</a:t>
             </a:fld>
             <a:endParaRPr lang="en-US" dirty="0"/>
           </a:p>
@@ -4401,7 +4404,7 @@
           <a:p>
             <a:fld id="{C8EEAF7C-14DD-C54D-AF39-C5036E848085}" type="datetime1">
               <a:rPr lang="en-CA" smtClean="0"/>
-              <a:t>2018-11-27</a:t>
+              <a:t>2018-11-28</a:t>
             </a:fld>
             <a:endParaRPr lang="en-US" dirty="0"/>
           </a:p>
@@ -4634,7 +4637,7 @@
           <a:p>
             <a:fld id="{3606939C-3975-C240-9B21-0F6E807FB042}" type="datetime1">
               <a:rPr lang="en-CA" smtClean="0"/>
-              <a:t>2018-11-27</a:t>
+              <a:t>2018-11-28</a:t>
             </a:fld>
             <a:endParaRPr lang="en-US" dirty="0"/>
           </a:p>
@@ -5008,7 +5011,7 @@
           <a:p>
             <a:fld id="{9793D090-67F1-E542-9D48-D8D89960BC90}" type="datetime1">
               <a:rPr lang="en-CA" smtClean="0"/>
-              <a:t>2018-11-27</a:t>
+              <a:t>2018-11-28</a:t>
             </a:fld>
             <a:endParaRPr lang="en-US" dirty="0"/>
           </a:p>
@@ -5132,7 +5135,7 @@
           <a:p>
             <a:fld id="{F80B7996-0CE4-0249-9F86-F5D2822A6081}" type="datetime1">
               <a:rPr lang="en-CA" smtClean="0"/>
-              <a:t>2018-11-27</a:t>
+              <a:t>2018-11-28</a:t>
             </a:fld>
             <a:endParaRPr lang="en-US" dirty="0"/>
           </a:p>
@@ -5228,7 +5231,7 @@
           <a:p>
             <a:fld id="{4D82DBFC-F8E9-4940-8EA0-D59FC6B7792A}" type="datetime1">
               <a:rPr lang="en-CA" smtClean="0"/>
-              <a:t>2018-11-27</a:t>
+              <a:t>2018-11-28</a:t>
             </a:fld>
             <a:endParaRPr lang="en-US" dirty="0"/>
           </a:p>
@@ -5489,7 +5492,7 @@
           <a:p>
             <a:fld id="{0324B554-35BD-9A4A-8F11-56C20C4533B5}" type="datetime1">
               <a:rPr lang="en-CA" smtClean="0"/>
-              <a:t>2018-11-27</a:t>
+              <a:t>2018-11-28</a:t>
             </a:fld>
             <a:endParaRPr lang="en-US" dirty="0"/>
           </a:p>
@@ -5757,7 +5760,7 @@
           <a:p>
             <a:fld id="{F2E5DE8D-3927-E448-911B-65179B193D57}" type="datetime1">
               <a:rPr lang="en-CA" smtClean="0"/>
-              <a:t>2018-11-27</a:t>
+              <a:t>2018-11-28</a:t>
             </a:fld>
             <a:endParaRPr lang="en-US" dirty="0"/>
           </a:p>
@@ -6501,7 +6504,7 @@
           <a:p>
             <a:fld id="{C9C42738-267C-B941-9F4C-2D4E6AF9C060}" type="datetime1">
               <a:rPr lang="en-CA" smtClean="0"/>
-              <a:t>2018-11-27</a:t>
+              <a:t>2018-11-28</a:t>
             </a:fld>
             <a:endParaRPr lang="en-US" dirty="0"/>
           </a:p>
@@ -7177,6 +7180,502 @@
           <a:p>
             <a:r>
               <a:rPr lang="en-US" dirty="0" smtClean="0"/>
+              <a:t>Why is this a problem?</a:t>
+            </a:r>
+            <a:endParaRPr lang="en-US" dirty="0"/>
+          </a:p>
+        </p:txBody>
+      </p:sp>
+      <p:sp>
+        <p:nvSpPr>
+          <p:cNvPr id="3" name="Content Placeholder 2"/>
+          <p:cNvSpPr>
+            <a:spLocks noGrp="1"/>
+          </p:cNvSpPr>
+          <p:nvPr>
+            <p:ph idx="1"/>
+          </p:nvPr>
+        </p:nvSpPr>
+        <p:spPr>
+          <a:xfrm>
+            <a:off x="677334" y="1574157"/>
+            <a:ext cx="8596668" cy="4467205"/>
+          </a:xfrm>
+        </p:spPr>
+        <p:txBody>
+          <a:bodyPr/>
+          <a:lstStyle/>
+          <a:p>
+            <a:r>
+              <a:rPr lang="en-US" dirty="0"/>
+              <a:t>In many real world situations, </a:t>
+            </a:r>
+            <a:r>
+              <a:rPr lang="en-US" dirty="0" smtClean="0"/>
+              <a:t>underlying distribution are not static</a:t>
+            </a:r>
+            <a:endParaRPr lang="en-US" dirty="0"/>
+          </a:p>
+          <a:p>
+            <a:endParaRPr lang="en-US" dirty="0" smtClean="0"/>
+          </a:p>
+          <a:p>
+            <a:r>
+              <a:rPr lang="en-US" dirty="0" smtClean="0"/>
+              <a:t>Factors </a:t>
+            </a:r>
+            <a:r>
+              <a:rPr lang="en-US" dirty="0"/>
+              <a:t>can change suddenly and </a:t>
+            </a:r>
+            <a:r>
+              <a:rPr lang="en-US" dirty="0" smtClean="0"/>
+              <a:t>dramatically</a:t>
+            </a:r>
+          </a:p>
+          <a:p>
+            <a:endParaRPr lang="en-US" dirty="0"/>
+          </a:p>
+          <a:p>
+            <a:r>
+              <a:rPr lang="en-US" dirty="0" smtClean="0"/>
+              <a:t>Examples:</a:t>
+            </a:r>
+          </a:p>
+          <a:p>
+            <a:pPr lvl="1"/>
+            <a:r>
+              <a:rPr lang="en-US" dirty="0"/>
+              <a:t>a user's interest in watching </a:t>
+            </a:r>
+            <a:r>
+              <a:rPr lang="en-US" dirty="0" smtClean="0"/>
+              <a:t>NBA videos </a:t>
+            </a:r>
+            <a:r>
+              <a:rPr lang="en-US" dirty="0"/>
+              <a:t>would suddenly drop in June when the season is over.</a:t>
+            </a:r>
+          </a:p>
+          <a:p>
+            <a:pPr lvl="1"/>
+            <a:r>
+              <a:rPr lang="en-US" dirty="0"/>
+              <a:t>a </a:t>
+            </a:r>
+            <a:r>
+              <a:rPr lang="en-US" dirty="0" smtClean="0"/>
+              <a:t>user’s interest in restaurants in the neighborhood change if </a:t>
+            </a:r>
+            <a:r>
+              <a:rPr lang="en-US" dirty="0"/>
+              <a:t>moved to another </a:t>
+            </a:r>
+            <a:r>
+              <a:rPr lang="en-US" dirty="0" smtClean="0"/>
+              <a:t>city.</a:t>
+            </a:r>
+          </a:p>
+          <a:p>
+            <a:pPr lvl="1"/>
+            <a:r>
+              <a:rPr lang="en-US" dirty="0" smtClean="0"/>
+              <a:t>Any other situation?</a:t>
+            </a:r>
+            <a:endParaRPr lang="en-US" dirty="0"/>
+          </a:p>
+          <a:p>
+            <a:endParaRPr lang="en-US" dirty="0"/>
+          </a:p>
+        </p:txBody>
+      </p:sp>
+      <p:sp>
+        <p:nvSpPr>
+          <p:cNvPr id="4" name="Slide Number Placeholder 3"/>
+          <p:cNvSpPr>
+            <a:spLocks noGrp="1"/>
+          </p:cNvSpPr>
+          <p:nvPr>
+            <p:ph type="sldNum" sz="quarter" idx="12"/>
+          </p:nvPr>
+        </p:nvSpPr>
+        <p:spPr/>
+        <p:txBody>
+          <a:bodyPr/>
+          <a:lstStyle/>
+          <a:p>
+            <a:fld id="{D57F1E4F-1CFF-5643-939E-217C01CDF565}" type="slidenum">
+              <a:rPr lang="en-US" smtClean="0"/>
+              <a:pPr/>
+              <a:t>10</a:t>
+            </a:fld>
+            <a:endParaRPr lang="en-US" dirty="0"/>
+          </a:p>
+        </p:txBody>
+      </p:sp>
+    </p:spTree>
+    <p:extLst>
+      <p:ext uri="{BB962C8B-B14F-4D97-AF65-F5344CB8AC3E}">
+        <p14:creationId xmlns:p14="http://schemas.microsoft.com/office/powerpoint/2010/main" val="381492661"/>
+      </p:ext>
+    </p:extLst>
+  </p:cSld>
+  <p:clrMapOvr>
+    <a:masterClrMapping/>
+  </p:clrMapOvr>
+  <p:timing>
+    <p:tnLst>
+      <p:par>
+        <p:cTn id="1" dur="indefinite" restart="never" nodeType="tmRoot">
+          <p:childTnLst>
+            <p:seq concurrent="1" nextAc="seek">
+              <p:cTn id="2" dur="indefinite" nodeType="mainSeq">
+                <p:childTnLst>
+                  <p:par>
+                    <p:cTn id="3" fill="hold">
+                      <p:stCondLst>
+                        <p:cond delay="indefinite"/>
+                      </p:stCondLst>
+                      <p:childTnLst>
+                        <p:par>
+                          <p:cTn id="4" fill="hold">
+                            <p:stCondLst>
+                              <p:cond delay="0"/>
+                            </p:stCondLst>
+                            <p:childTnLst>
+                              <p:par>
+                                <p:cTn id="5" presetID="1" presetClass="entr" presetSubtype="0" fill="hold" nodeType="clickEffect">
+                                  <p:stCondLst>
+                                    <p:cond delay="0"/>
+                                  </p:stCondLst>
+                                  <p:childTnLst>
+                                    <p:set>
+                                      <p:cBhvr>
+                                        <p:cTn id="6" dur="1" fill="hold">
+                                          <p:stCondLst>
+                                            <p:cond delay="0"/>
+                                          </p:stCondLst>
+                                        </p:cTn>
+                                        <p:tgtEl>
+                                          <p:spTgt spid="3">
+                                            <p:txEl>
+                                              <p:pRg st="0" end="0"/>
+                                            </p:txEl>
+                                          </p:spTgt>
+                                        </p:tgtEl>
+                                        <p:attrNameLst>
+                                          <p:attrName>style.visibility</p:attrName>
+                                        </p:attrNameLst>
+                                      </p:cBhvr>
+                                      <p:to>
+                                        <p:strVal val="visible"/>
+                                      </p:to>
+                                    </p:set>
+                                  </p:childTnLst>
+                                </p:cTn>
+                              </p:par>
+                            </p:childTnLst>
+                          </p:cTn>
+                        </p:par>
+                      </p:childTnLst>
+                    </p:cTn>
+                  </p:par>
+                  <p:par>
+                    <p:cTn id="7" fill="hold">
+                      <p:stCondLst>
+                        <p:cond delay="indefinite"/>
+                      </p:stCondLst>
+                      <p:childTnLst>
+                        <p:par>
+                          <p:cTn id="8" fill="hold">
+                            <p:stCondLst>
+                              <p:cond delay="0"/>
+                            </p:stCondLst>
+                            <p:childTnLst>
+                              <p:par>
+                                <p:cTn id="9" presetID="1" presetClass="entr" presetSubtype="0" fill="hold" nodeType="clickEffect">
+                                  <p:stCondLst>
+                                    <p:cond delay="0"/>
+                                  </p:stCondLst>
+                                  <p:childTnLst>
+                                    <p:set>
+                                      <p:cBhvr>
+                                        <p:cTn id="10" dur="1" fill="hold">
+                                          <p:stCondLst>
+                                            <p:cond delay="0"/>
+                                          </p:stCondLst>
+                                        </p:cTn>
+                                        <p:tgtEl>
+                                          <p:spTgt spid="3">
+                                            <p:txEl>
+                                              <p:pRg st="2" end="2"/>
+                                            </p:txEl>
+                                          </p:spTgt>
+                                        </p:tgtEl>
+                                        <p:attrNameLst>
+                                          <p:attrName>style.visibility</p:attrName>
+                                        </p:attrNameLst>
+                                      </p:cBhvr>
+                                      <p:to>
+                                        <p:strVal val="visible"/>
+                                      </p:to>
+                                    </p:set>
+                                  </p:childTnLst>
+                                </p:cTn>
+                              </p:par>
+                            </p:childTnLst>
+                          </p:cTn>
+                        </p:par>
+                      </p:childTnLst>
+                    </p:cTn>
+                  </p:par>
+                  <p:par>
+                    <p:cTn id="11" fill="hold">
+                      <p:stCondLst>
+                        <p:cond delay="indefinite"/>
+                      </p:stCondLst>
+                      <p:childTnLst>
+                        <p:par>
+                          <p:cTn id="12" fill="hold">
+                            <p:stCondLst>
+                              <p:cond delay="0"/>
+                            </p:stCondLst>
+                            <p:childTnLst>
+                              <p:par>
+                                <p:cTn id="13" presetID="1" presetClass="entr" presetSubtype="0" fill="hold" nodeType="clickEffect">
+                                  <p:stCondLst>
+                                    <p:cond delay="0"/>
+                                  </p:stCondLst>
+                                  <p:childTnLst>
+                                    <p:set>
+                                      <p:cBhvr>
+                                        <p:cTn id="14" dur="1" fill="hold">
+                                          <p:stCondLst>
+                                            <p:cond delay="0"/>
+                                          </p:stCondLst>
+                                        </p:cTn>
+                                        <p:tgtEl>
+                                          <p:spTgt spid="3">
+                                            <p:txEl>
+                                              <p:pRg st="4" end="4"/>
+                                            </p:txEl>
+                                          </p:spTgt>
+                                        </p:tgtEl>
+                                        <p:attrNameLst>
+                                          <p:attrName>style.visibility</p:attrName>
+                                        </p:attrNameLst>
+                                      </p:cBhvr>
+                                      <p:to>
+                                        <p:strVal val="visible"/>
+                                      </p:to>
+                                    </p:set>
+                                  </p:childTnLst>
+                                </p:cTn>
+                              </p:par>
+                              <p:par>
+                                <p:cTn id="15" presetID="1" presetClass="entr" presetSubtype="0" fill="hold" nodeType="withEffect">
+                                  <p:stCondLst>
+                                    <p:cond delay="0"/>
+                                  </p:stCondLst>
+                                  <p:childTnLst>
+                                    <p:set>
+                                      <p:cBhvr>
+                                        <p:cTn id="16" dur="1" fill="hold">
+                                          <p:stCondLst>
+                                            <p:cond delay="0"/>
+                                          </p:stCondLst>
+                                        </p:cTn>
+                                        <p:tgtEl>
+                                          <p:spTgt spid="3">
+                                            <p:txEl>
+                                              <p:pRg st="5" end="5"/>
+                                            </p:txEl>
+                                          </p:spTgt>
+                                        </p:tgtEl>
+                                        <p:attrNameLst>
+                                          <p:attrName>style.visibility</p:attrName>
+                                        </p:attrNameLst>
+                                      </p:cBhvr>
+                                      <p:to>
+                                        <p:strVal val="visible"/>
+                                      </p:to>
+                                    </p:set>
+                                  </p:childTnLst>
+                                </p:cTn>
+                              </p:par>
+                            </p:childTnLst>
+                          </p:cTn>
+                        </p:par>
+                      </p:childTnLst>
+                    </p:cTn>
+                  </p:par>
+                  <p:par>
+                    <p:cTn id="17" fill="hold">
+                      <p:stCondLst>
+                        <p:cond delay="indefinite"/>
+                      </p:stCondLst>
+                      <p:childTnLst>
+                        <p:par>
+                          <p:cTn id="18" fill="hold">
+                            <p:stCondLst>
+                              <p:cond delay="0"/>
+                            </p:stCondLst>
+                            <p:childTnLst>
+                              <p:par>
+                                <p:cTn id="19" presetID="1" presetClass="entr" presetSubtype="0" fill="hold" nodeType="clickEffect">
+                                  <p:stCondLst>
+                                    <p:cond delay="0"/>
+                                  </p:stCondLst>
+                                  <p:childTnLst>
+                                    <p:set>
+                                      <p:cBhvr>
+                                        <p:cTn id="20" dur="1" fill="hold">
+                                          <p:stCondLst>
+                                            <p:cond delay="0"/>
+                                          </p:stCondLst>
+                                        </p:cTn>
+                                        <p:tgtEl>
+                                          <p:spTgt spid="3">
+                                            <p:txEl>
+                                              <p:pRg st="6" end="6"/>
+                                            </p:txEl>
+                                          </p:spTgt>
+                                        </p:tgtEl>
+                                        <p:attrNameLst>
+                                          <p:attrName>style.visibility</p:attrName>
+                                        </p:attrNameLst>
+                                      </p:cBhvr>
+                                      <p:to>
+                                        <p:strVal val="visible"/>
+                                      </p:to>
+                                    </p:set>
+                                  </p:childTnLst>
+                                </p:cTn>
+                              </p:par>
+                            </p:childTnLst>
+                          </p:cTn>
+                        </p:par>
+                      </p:childTnLst>
+                    </p:cTn>
+                  </p:par>
+                  <p:par>
+                    <p:cTn id="21" fill="hold">
+                      <p:stCondLst>
+                        <p:cond delay="indefinite"/>
+                      </p:stCondLst>
+                      <p:childTnLst>
+                        <p:par>
+                          <p:cTn id="22" fill="hold">
+                            <p:stCondLst>
+                              <p:cond delay="0"/>
+                            </p:stCondLst>
+                            <p:childTnLst>
+                              <p:par>
+                                <p:cTn id="23" presetID="1" presetClass="entr" presetSubtype="0" fill="hold" nodeType="clickEffect">
+                                  <p:stCondLst>
+                                    <p:cond delay="0"/>
+                                  </p:stCondLst>
+                                  <p:childTnLst>
+                                    <p:set>
+                                      <p:cBhvr>
+                                        <p:cTn id="24" dur="1" fill="hold">
+                                          <p:stCondLst>
+                                            <p:cond delay="0"/>
+                                          </p:stCondLst>
+                                        </p:cTn>
+                                        <p:tgtEl>
+                                          <p:spTgt spid="3">
+                                            <p:txEl>
+                                              <p:pRg st="7" end="7"/>
+                                            </p:txEl>
+                                          </p:spTgt>
+                                        </p:tgtEl>
+                                        <p:attrNameLst>
+                                          <p:attrName>style.visibility</p:attrName>
+                                        </p:attrNameLst>
+                                      </p:cBhvr>
+                                      <p:to>
+                                        <p:strVal val="visible"/>
+                                      </p:to>
+                                    </p:set>
+                                  </p:childTnLst>
+                                </p:cTn>
+                              </p:par>
+                            </p:childTnLst>
+                          </p:cTn>
+                        </p:par>
+                      </p:childTnLst>
+                    </p:cTn>
+                  </p:par>
+                </p:childTnLst>
+              </p:cTn>
+              <p:prevCondLst>
+                <p:cond evt="onPrev" delay="0">
+                  <p:tgtEl>
+                    <p:sldTgt/>
+                  </p:tgtEl>
+                </p:cond>
+              </p:prevCondLst>
+              <p:nextCondLst>
+                <p:cond evt="onNext" delay="0">
+                  <p:tgtEl>
+                    <p:sldTgt/>
+                  </p:tgtEl>
+                </p:cond>
+              </p:nextCondLst>
+            </p:seq>
+          </p:childTnLst>
+        </p:cTn>
+      </p:par>
+    </p:tnLst>
+  </p:timing>
+</p:sld>
+</file>
+
+<file path=ppt/slides/slide11.xml><?xml version="1.0" encoding="utf-8"?>
+<p:sld xmlns:a="http://schemas.openxmlformats.org/drawingml/2006/main" xmlns:r="http://schemas.openxmlformats.org/officeDocument/2006/relationships" xmlns:p="http://schemas.openxmlformats.org/presentationml/2006/main">
+  <p:cSld>
+    <p:bg>
+      <p:bgPr>
+        <a:solidFill>
+          <a:srgbClr val="00B0F0">
+            <a:alpha val="3000"/>
+          </a:srgbClr>
+        </a:solidFill>
+        <a:effectLst/>
+      </p:bgPr>
+    </p:bg>
+    <p:spTree>
+      <p:nvGrpSpPr>
+        <p:cNvPr id="1" name=""/>
+        <p:cNvGrpSpPr/>
+        <p:nvPr/>
+      </p:nvGrpSpPr>
+      <p:grpSpPr>
+        <a:xfrm>
+          <a:off x="0" y="0"/>
+          <a:ext cx="0" cy="0"/>
+          <a:chOff x="0" y="0"/>
+          <a:chExt cx="0" cy="0"/>
+        </a:xfrm>
+      </p:grpSpPr>
+      <p:sp>
+        <p:nvSpPr>
+          <p:cNvPr id="2" name="Title 1"/>
+          <p:cNvSpPr>
+            <a:spLocks noGrp="1"/>
+          </p:cNvSpPr>
+          <p:nvPr>
+            <p:ph type="title"/>
+          </p:nvPr>
+        </p:nvSpPr>
+        <p:spPr/>
+        <p:txBody>
+          <a:bodyPr/>
+          <a:lstStyle/>
+          <a:p>
+            <a:r>
+              <a:rPr lang="en-US" dirty="0" smtClean="0"/>
               <a:t>Switching Bandit Simulation</a:t>
             </a:r>
             <a:endParaRPr lang="en-US" dirty="0"/>
@@ -7289,7 +7788,7 @@
             <a:fld id="{D57F1E4F-1CFF-5643-939E-217C01CDF565}" type="slidenum">
               <a:rPr lang="en-US" smtClean="0"/>
               <a:pPr/>
-              <a:t>10</a:t>
+              <a:t>11</a:t>
             </a:fld>
             <a:endParaRPr lang="en-US" dirty="0"/>
           </a:p>
@@ -7694,7 +8193,7 @@
 </p:sld>
 </file>
 
-<file path=ppt/slides/slide11.xml><?xml version="1.0" encoding="utf-8"?>
+<file path=ppt/slides/slide12.xml><?xml version="1.0" encoding="utf-8"?>
 <p:sld xmlns:a="http://schemas.openxmlformats.org/drawingml/2006/main" xmlns:r="http://schemas.openxmlformats.org/officeDocument/2006/relationships" xmlns:p="http://schemas.openxmlformats.org/presentationml/2006/main">
   <p:cSld>
     <p:bg>
@@ -7821,7 +8320,7 @@
             <a:fld id="{D57F1E4F-1CFF-5643-939E-217C01CDF565}" type="slidenum">
               <a:rPr lang="en-US" smtClean="0"/>
               <a:pPr/>
-              <a:t>11</a:t>
+              <a:t>12</a:t>
             </a:fld>
             <a:endParaRPr lang="en-US" dirty="0"/>
           </a:p>
@@ -7960,7 +8459,7 @@
 </p:sld>
 </file>
 
-<file path=ppt/slides/slide12.xml><?xml version="1.0" encoding="utf-8"?>
+<file path=ppt/slides/slide13.xml><?xml version="1.0" encoding="utf-8"?>
 <p:sld xmlns:a="http://schemas.openxmlformats.org/drawingml/2006/main" xmlns:r="http://schemas.openxmlformats.org/officeDocument/2006/relationships" xmlns:p="http://schemas.openxmlformats.org/presentationml/2006/main">
   <p:cSld>
     <p:bg>
@@ -8013,11 +8512,7 @@
             </a:r>
             <a:r>
               <a:rPr lang="en-US" smtClean="0"/>
-              <a:t>Non-Stationary </a:t>
-            </a:r>
-            <a:r>
-              <a:rPr lang="en-US" smtClean="0"/>
-              <a:t>Environment</a:t>
+              <a:t>Non-Stationary Environment</a:t>
             </a:r>
             <a:endParaRPr lang="en-US" dirty="0"/>
           </a:p>
@@ -8099,7 +8594,7 @@
             <a:fld id="{D57F1E4F-1CFF-5643-939E-217C01CDF565}" type="slidenum">
               <a:rPr lang="en-US" smtClean="0"/>
               <a:pPr/>
-              <a:t>12</a:t>
+              <a:t>13</a:t>
             </a:fld>
             <a:endParaRPr lang="en-US" dirty="0"/>
           </a:p>
@@ -8393,7 +8888,7 @@
 </p:sld>
 </file>
 
-<file path=ppt/slides/slide13.xml><?xml version="1.0" encoding="utf-8"?>
+<file path=ppt/slides/slide14.xml><?xml version="1.0" encoding="utf-8"?>
 <p:sld xmlns:a="http://schemas.openxmlformats.org/drawingml/2006/main" xmlns:r="http://schemas.openxmlformats.org/officeDocument/2006/relationships" xmlns:p="http://schemas.openxmlformats.org/presentationml/2006/main">
   <p:cSld>
     <p:bg>
@@ -8524,7 +9019,7 @@
             <a:fld id="{D57F1E4F-1CFF-5643-939E-217C01CDF565}" type="slidenum">
               <a:rPr lang="en-US" smtClean="0"/>
               <a:pPr/>
-              <a:t>13</a:t>
+              <a:t>14</a:t>
             </a:fld>
             <a:endParaRPr lang="en-US" dirty="0"/>
           </a:p>
@@ -8550,7 +9045,104 @@
 </p:sld>
 </file>
 
-<file path=ppt/slides/slide14.xml><?xml version="1.0" encoding="utf-8"?>
+<file path=ppt/slides/slide15.xml><?xml version="1.0" encoding="utf-8"?>
+<p:sld xmlns:a="http://schemas.openxmlformats.org/drawingml/2006/main" xmlns:r="http://schemas.openxmlformats.org/officeDocument/2006/relationships" xmlns:p="http://schemas.openxmlformats.org/presentationml/2006/main">
+  <p:cSld>
+    <p:spTree>
+      <p:nvGrpSpPr>
+        <p:cNvPr id="1" name=""/>
+        <p:cNvGrpSpPr/>
+        <p:nvPr/>
+      </p:nvGrpSpPr>
+      <p:grpSpPr>
+        <a:xfrm>
+          <a:off x="0" y="0"/>
+          <a:ext cx="0" cy="0"/>
+          <a:chOff x="0" y="0"/>
+          <a:chExt cx="0" cy="0"/>
+        </a:xfrm>
+      </p:grpSpPr>
+      <p:sp>
+        <p:nvSpPr>
+          <p:cNvPr id="2" name="Title 1"/>
+          <p:cNvSpPr>
+            <a:spLocks noGrp="1"/>
+          </p:cNvSpPr>
+          <p:nvPr>
+            <p:ph type="title"/>
+          </p:nvPr>
+        </p:nvSpPr>
+        <p:spPr>
+          <a:xfrm>
+            <a:off x="943551" y="3098157"/>
+            <a:ext cx="8596668" cy="1320800"/>
+          </a:xfrm>
+        </p:spPr>
+        <p:txBody>
+          <a:bodyPr/>
+          <a:lstStyle/>
+          <a:p>
+            <a:r>
+              <a:rPr lang="en-US" smtClean="0"/>
+              <a:t>Non-Stationary Environment </a:t>
+            </a:r>
+            <a:r>
+              <a:rPr lang="mr-IN" dirty="0" smtClean="0"/>
+              <a:t>–</a:t>
+            </a:r>
+            <a:r>
+              <a:rPr lang="en-US" dirty="0" smtClean="0"/>
+              <a:t> Questions?</a:t>
+            </a:r>
+            <a:endParaRPr lang="en-US" dirty="0"/>
+          </a:p>
+        </p:txBody>
+      </p:sp>
+      <p:sp>
+        <p:nvSpPr>
+          <p:cNvPr id="4" name="Slide Number Placeholder 3"/>
+          <p:cNvSpPr>
+            <a:spLocks noGrp="1"/>
+          </p:cNvSpPr>
+          <p:nvPr>
+            <p:ph type="sldNum" sz="quarter" idx="12"/>
+          </p:nvPr>
+        </p:nvSpPr>
+        <p:spPr/>
+        <p:txBody>
+          <a:bodyPr/>
+          <a:lstStyle/>
+          <a:p>
+            <a:fld id="{D57F1E4F-1CFF-5643-939E-217C01CDF565}" type="slidenum">
+              <a:rPr lang="en-US" smtClean="0"/>
+              <a:pPr/>
+              <a:t>15</a:t>
+            </a:fld>
+            <a:endParaRPr lang="en-US" dirty="0"/>
+          </a:p>
+        </p:txBody>
+      </p:sp>
+    </p:spTree>
+    <p:extLst>
+      <p:ext uri="{BB962C8B-B14F-4D97-AF65-F5344CB8AC3E}">
+        <p14:creationId xmlns:p14="http://schemas.microsoft.com/office/powerpoint/2010/main" val="1802556040"/>
+      </p:ext>
+    </p:extLst>
+  </p:cSld>
+  <p:clrMapOvr>
+    <a:masterClrMapping/>
+  </p:clrMapOvr>
+  <p:timing>
+    <p:tnLst>
+      <p:par>
+        <p:cTn id="1" dur="indefinite" restart="never" nodeType="tmRoot"/>
+      </p:par>
+    </p:tnLst>
+  </p:timing>
+</p:sld>
+</file>
+
+<file path=ppt/slides/slide16.xml><?xml version="1.0" encoding="utf-8"?>
 <p:sld xmlns:a="http://schemas.openxmlformats.org/drawingml/2006/main" xmlns:r="http://schemas.openxmlformats.org/officeDocument/2006/relationships" xmlns:p="http://schemas.openxmlformats.org/presentationml/2006/main">
   <p:cSld>
     <p:bg>
@@ -8691,7 +9283,7 @@
             <a:fld id="{D57F1E4F-1CFF-5643-939E-217C01CDF565}" type="slidenum">
               <a:rPr lang="en-US" smtClean="0"/>
               <a:pPr/>
-              <a:t>14</a:t>
+              <a:t>16</a:t>
             </a:fld>
             <a:endParaRPr lang="en-US" dirty="0"/>
           </a:p>
@@ -9091,7 +9683,7 @@
 </p:sld>
 </file>
 
-<file path=ppt/slides/slide15.xml><?xml version="1.0" encoding="utf-8"?>
+<file path=ppt/slides/slide17.xml><?xml version="1.0" encoding="utf-8"?>
 <p:sld xmlns:a="http://schemas.openxmlformats.org/drawingml/2006/main" xmlns:r="http://schemas.openxmlformats.org/officeDocument/2006/relationships" xmlns:p="http://schemas.openxmlformats.org/presentationml/2006/main">
   <p:cSld>
     <p:bg>
@@ -9220,7 +9812,7 @@
             <a:fld id="{D57F1E4F-1CFF-5643-939E-217C01CDF565}" type="slidenum">
               <a:rPr lang="en-US" smtClean="0"/>
               <a:pPr/>
-              <a:t>15</a:t>
+              <a:t>17</a:t>
             </a:fld>
             <a:endParaRPr lang="en-US" dirty="0"/>
           </a:p>
@@ -9246,7 +9838,7 @@
 </p:sld>
 </file>
 
-<file path=ppt/slides/slide16.xml><?xml version="1.0" encoding="utf-8"?>
+<file path=ppt/slides/slide18.xml><?xml version="1.0" encoding="utf-8"?>
 <p:sld xmlns:a="http://schemas.openxmlformats.org/drawingml/2006/main" xmlns:r="http://schemas.openxmlformats.org/officeDocument/2006/relationships" xmlns:p="http://schemas.openxmlformats.org/presentationml/2006/main">
   <p:cSld>
     <p:bg>
@@ -9317,7 +9909,6 @@
               <a:rPr lang="en-US" dirty="0" smtClean="0"/>
               <a:t>Performance:</a:t>
             </a:r>
-            <a:endParaRPr lang="en-US" dirty="0" smtClean="0"/>
           </a:p>
           <a:p>
             <a:pPr lvl="1"/>
@@ -9377,7 +9968,7 @@
             <a:fld id="{D57F1E4F-1CFF-5643-939E-217C01CDF565}" type="slidenum">
               <a:rPr lang="en-US" smtClean="0"/>
               <a:pPr/>
-              <a:t>16</a:t>
+              <a:t>18</a:t>
             </a:fld>
             <a:endParaRPr lang="en-US" dirty="0"/>
           </a:p>
@@ -9720,7 +10311,466 @@
 </p:sld>
 </file>
 
-<file path=ppt/slides/slide17.xml><?xml version="1.0" encoding="utf-8"?>
+<file path=ppt/slides/slide19.xml><?xml version="1.0" encoding="utf-8"?>
+<p:sld xmlns:a="http://schemas.openxmlformats.org/drawingml/2006/main" xmlns:r="http://schemas.openxmlformats.org/officeDocument/2006/relationships" xmlns:p="http://schemas.openxmlformats.org/presentationml/2006/main">
+  <p:cSld>
+    <p:spTree>
+      <p:nvGrpSpPr>
+        <p:cNvPr id="1" name=""/>
+        <p:cNvGrpSpPr/>
+        <p:nvPr/>
+      </p:nvGrpSpPr>
+      <p:grpSpPr>
+        <a:xfrm>
+          <a:off x="0" y="0"/>
+          <a:ext cx="0" cy="0"/>
+          <a:chOff x="0" y="0"/>
+          <a:chExt cx="0" cy="0"/>
+        </a:xfrm>
+      </p:grpSpPr>
+      <p:sp>
+        <p:nvSpPr>
+          <p:cNvPr id="2" name="Title 1"/>
+          <p:cNvSpPr>
+            <a:spLocks noGrp="1"/>
+          </p:cNvSpPr>
+          <p:nvPr>
+            <p:ph type="title"/>
+          </p:nvPr>
+        </p:nvSpPr>
+        <p:spPr>
+          <a:xfrm>
+            <a:off x="1267643" y="2993985"/>
+            <a:ext cx="8596668" cy="1320800"/>
+          </a:xfrm>
+        </p:spPr>
+        <p:txBody>
+          <a:bodyPr/>
+          <a:lstStyle/>
+          <a:p>
+            <a:r>
+              <a:rPr lang="en-US" dirty="0" smtClean="0"/>
+              <a:t>Offline Evaluation </a:t>
+            </a:r>
+            <a:r>
+              <a:rPr lang="mr-IN" dirty="0" smtClean="0"/>
+              <a:t>–</a:t>
+            </a:r>
+            <a:r>
+              <a:rPr lang="en-US" dirty="0" smtClean="0"/>
+              <a:t> Questions?</a:t>
+            </a:r>
+            <a:endParaRPr lang="en-US" dirty="0"/>
+          </a:p>
+        </p:txBody>
+      </p:sp>
+      <p:sp>
+        <p:nvSpPr>
+          <p:cNvPr id="4" name="Slide Number Placeholder 3"/>
+          <p:cNvSpPr>
+            <a:spLocks noGrp="1"/>
+          </p:cNvSpPr>
+          <p:nvPr>
+            <p:ph type="sldNum" sz="quarter" idx="12"/>
+          </p:nvPr>
+        </p:nvSpPr>
+        <p:spPr/>
+        <p:txBody>
+          <a:bodyPr/>
+          <a:lstStyle/>
+          <a:p>
+            <a:fld id="{D57F1E4F-1CFF-5643-939E-217C01CDF565}" type="slidenum">
+              <a:rPr lang="en-US" smtClean="0"/>
+              <a:pPr/>
+              <a:t>19</a:t>
+            </a:fld>
+            <a:endParaRPr lang="en-US" dirty="0"/>
+          </a:p>
+        </p:txBody>
+      </p:sp>
+    </p:spTree>
+    <p:extLst>
+      <p:ext uri="{BB962C8B-B14F-4D97-AF65-F5344CB8AC3E}">
+        <p14:creationId xmlns:p14="http://schemas.microsoft.com/office/powerpoint/2010/main" val="7060133"/>
+      </p:ext>
+    </p:extLst>
+  </p:cSld>
+  <p:clrMapOvr>
+    <a:masterClrMapping/>
+  </p:clrMapOvr>
+  <p:timing>
+    <p:tnLst>
+      <p:par>
+        <p:cTn id="1" dur="indefinite" restart="never" nodeType="tmRoot"/>
+      </p:par>
+    </p:tnLst>
+  </p:timing>
+</p:sld>
+</file>
+
+<file path=ppt/slides/slide2.xml><?xml version="1.0" encoding="utf-8"?>
+<p:sld xmlns:a="http://schemas.openxmlformats.org/drawingml/2006/main" xmlns:r="http://schemas.openxmlformats.org/officeDocument/2006/relationships" xmlns:p="http://schemas.openxmlformats.org/presentationml/2006/main">
+  <p:cSld>
+    <p:bg>
+      <p:bgPr>
+        <a:solidFill>
+          <a:srgbClr val="FFC000">
+            <a:alpha val="3000"/>
+          </a:srgbClr>
+        </a:solidFill>
+        <a:effectLst/>
+      </p:bgPr>
+    </p:bg>
+    <p:spTree>
+      <p:nvGrpSpPr>
+        <p:cNvPr id="1" name=""/>
+        <p:cNvGrpSpPr/>
+        <p:nvPr/>
+      </p:nvGrpSpPr>
+      <p:grpSpPr>
+        <a:xfrm>
+          <a:off x="0" y="0"/>
+          <a:ext cx="0" cy="0"/>
+          <a:chOff x="0" y="0"/>
+          <a:chExt cx="0" cy="0"/>
+        </a:xfrm>
+      </p:grpSpPr>
+      <p:sp>
+        <p:nvSpPr>
+          <p:cNvPr id="2" name="Title 1"/>
+          <p:cNvSpPr>
+            <a:spLocks noGrp="1"/>
+          </p:cNvSpPr>
+          <p:nvPr>
+            <p:ph type="title"/>
+          </p:nvPr>
+        </p:nvSpPr>
+        <p:spPr/>
+        <p:txBody>
+          <a:bodyPr/>
+          <a:lstStyle/>
+          <a:p>
+            <a:r>
+              <a:rPr lang="en-US" dirty="0" smtClean="0"/>
+              <a:t>Topics</a:t>
+            </a:r>
+            <a:endParaRPr lang="en-US" dirty="0"/>
+          </a:p>
+        </p:txBody>
+      </p:sp>
+      <p:sp>
+        <p:nvSpPr>
+          <p:cNvPr id="3" name="Content Placeholder 2"/>
+          <p:cNvSpPr>
+            <a:spLocks noGrp="1"/>
+          </p:cNvSpPr>
+          <p:nvPr>
+            <p:ph idx="1"/>
+          </p:nvPr>
+        </p:nvSpPr>
+        <p:spPr/>
+        <p:txBody>
+          <a:bodyPr/>
+          <a:lstStyle/>
+          <a:p>
+            <a:r>
+              <a:rPr lang="en-US" b="1" dirty="0" smtClean="0"/>
+              <a:t>UCB </a:t>
+            </a:r>
+            <a:r>
+              <a:rPr lang="en-US" b="1" dirty="0" err="1" smtClean="0"/>
+              <a:t>v.s</a:t>
+            </a:r>
+            <a:r>
+              <a:rPr lang="en-US" b="1" dirty="0" smtClean="0"/>
+              <a:t> Thompson Sampling</a:t>
+            </a:r>
+          </a:p>
+          <a:p>
+            <a:r>
+              <a:rPr lang="en-US" b="1" dirty="0" smtClean="0"/>
+              <a:t>Bandits Under Non-Stationary Environment</a:t>
+            </a:r>
+          </a:p>
+          <a:p>
+            <a:r>
+              <a:rPr lang="en-US" b="1" dirty="0" smtClean="0"/>
+              <a:t>Offline Evaluation of Bandit Algorithms</a:t>
+            </a:r>
+          </a:p>
+          <a:p>
+            <a:r>
+              <a:rPr lang="en-US" b="1" dirty="0" smtClean="0"/>
+              <a:t>Gaussian Process in Bandits</a:t>
+            </a:r>
+            <a:endParaRPr lang="en-US" b="1" dirty="0"/>
+          </a:p>
+        </p:txBody>
+      </p:sp>
+      <p:sp>
+        <p:nvSpPr>
+          <p:cNvPr id="4" name="Slide Number Placeholder 3"/>
+          <p:cNvSpPr>
+            <a:spLocks noGrp="1"/>
+          </p:cNvSpPr>
+          <p:nvPr>
+            <p:ph type="sldNum" sz="quarter" idx="12"/>
+          </p:nvPr>
+        </p:nvSpPr>
+        <p:spPr/>
+        <p:txBody>
+          <a:bodyPr/>
+          <a:lstStyle/>
+          <a:p>
+            <a:fld id="{D57F1E4F-1CFF-5643-939E-217C01CDF565}" type="slidenum">
+              <a:rPr lang="en-US" smtClean="0"/>
+              <a:pPr/>
+              <a:t>2</a:t>
+            </a:fld>
+            <a:endParaRPr lang="en-US" dirty="0"/>
+          </a:p>
+        </p:txBody>
+      </p:sp>
+    </p:spTree>
+    <p:extLst>
+      <p:ext uri="{BB962C8B-B14F-4D97-AF65-F5344CB8AC3E}">
+        <p14:creationId xmlns:p14="http://schemas.microsoft.com/office/powerpoint/2010/main" val="1035057831"/>
+      </p:ext>
+    </p:extLst>
+  </p:cSld>
+  <p:clrMapOvr>
+    <a:masterClrMapping/>
+  </p:clrMapOvr>
+  <p:timing>
+    <p:tnLst>
+      <p:par>
+        <p:cTn id="1" dur="indefinite" restart="never" nodeType="tmRoot">
+          <p:childTnLst>
+            <p:seq concurrent="1" nextAc="seek">
+              <p:cTn id="2" dur="indefinite" nodeType="mainSeq">
+                <p:childTnLst>
+                  <p:par>
+                    <p:cTn id="3" fill="hold">
+                      <p:stCondLst>
+                        <p:cond delay="indefinite"/>
+                      </p:stCondLst>
+                      <p:childTnLst>
+                        <p:par>
+                          <p:cTn id="4" fill="hold">
+                            <p:stCondLst>
+                              <p:cond delay="0"/>
+                            </p:stCondLst>
+                            <p:childTnLst>
+                              <p:par>
+                                <p:cTn id="5" presetID="1" presetClass="entr" presetSubtype="0" fill="hold" nodeType="clickEffect">
+                                  <p:stCondLst>
+                                    <p:cond delay="0"/>
+                                  </p:stCondLst>
+                                  <p:childTnLst>
+                                    <p:set>
+                                      <p:cBhvr>
+                                        <p:cTn id="6" dur="1" fill="hold">
+                                          <p:stCondLst>
+                                            <p:cond delay="0"/>
+                                          </p:stCondLst>
+                                        </p:cTn>
+                                        <p:tgtEl>
+                                          <p:spTgt spid="3">
+                                            <p:txEl>
+                                              <p:pRg st="0" end="0"/>
+                                            </p:txEl>
+                                          </p:spTgt>
+                                        </p:tgtEl>
+                                        <p:attrNameLst>
+                                          <p:attrName>style.visibility</p:attrName>
+                                        </p:attrNameLst>
+                                      </p:cBhvr>
+                                      <p:to>
+                                        <p:strVal val="visible"/>
+                                      </p:to>
+                                    </p:set>
+                                  </p:childTnLst>
+                                </p:cTn>
+                              </p:par>
+                            </p:childTnLst>
+                          </p:cTn>
+                        </p:par>
+                      </p:childTnLst>
+                    </p:cTn>
+                  </p:par>
+                  <p:par>
+                    <p:cTn id="7" fill="hold">
+                      <p:stCondLst>
+                        <p:cond delay="indefinite"/>
+                      </p:stCondLst>
+                      <p:childTnLst>
+                        <p:par>
+                          <p:cTn id="8" fill="hold">
+                            <p:stCondLst>
+                              <p:cond delay="0"/>
+                            </p:stCondLst>
+                            <p:childTnLst>
+                              <p:par>
+                                <p:cTn id="9" presetID="1" presetClass="entr" presetSubtype="0" fill="hold" nodeType="clickEffect">
+                                  <p:stCondLst>
+                                    <p:cond delay="0"/>
+                                  </p:stCondLst>
+                                  <p:childTnLst>
+                                    <p:set>
+                                      <p:cBhvr>
+                                        <p:cTn id="10" dur="1" fill="hold">
+                                          <p:stCondLst>
+                                            <p:cond delay="0"/>
+                                          </p:stCondLst>
+                                        </p:cTn>
+                                        <p:tgtEl>
+                                          <p:spTgt spid="3">
+                                            <p:txEl>
+                                              <p:pRg st="1" end="1"/>
+                                            </p:txEl>
+                                          </p:spTgt>
+                                        </p:tgtEl>
+                                        <p:attrNameLst>
+                                          <p:attrName>style.visibility</p:attrName>
+                                        </p:attrNameLst>
+                                      </p:cBhvr>
+                                      <p:to>
+                                        <p:strVal val="visible"/>
+                                      </p:to>
+                                    </p:set>
+                                  </p:childTnLst>
+                                </p:cTn>
+                              </p:par>
+                            </p:childTnLst>
+                          </p:cTn>
+                        </p:par>
+                      </p:childTnLst>
+                    </p:cTn>
+                  </p:par>
+                  <p:par>
+                    <p:cTn id="11" fill="hold">
+                      <p:stCondLst>
+                        <p:cond delay="indefinite"/>
+                      </p:stCondLst>
+                      <p:childTnLst>
+                        <p:par>
+                          <p:cTn id="12" fill="hold">
+                            <p:stCondLst>
+                              <p:cond delay="0"/>
+                            </p:stCondLst>
+                            <p:childTnLst>
+                              <p:par>
+                                <p:cTn id="13" presetID="1" presetClass="entr" presetSubtype="0" fill="hold" nodeType="clickEffect">
+                                  <p:stCondLst>
+                                    <p:cond delay="0"/>
+                                  </p:stCondLst>
+                                  <p:childTnLst>
+                                    <p:set>
+                                      <p:cBhvr>
+                                        <p:cTn id="14" dur="1" fill="hold">
+                                          <p:stCondLst>
+                                            <p:cond delay="0"/>
+                                          </p:stCondLst>
+                                        </p:cTn>
+                                        <p:tgtEl>
+                                          <p:spTgt spid="3">
+                                            <p:txEl>
+                                              <p:pRg st="2" end="2"/>
+                                            </p:txEl>
+                                          </p:spTgt>
+                                        </p:tgtEl>
+                                        <p:attrNameLst>
+                                          <p:attrName>style.visibility</p:attrName>
+                                        </p:attrNameLst>
+                                      </p:cBhvr>
+                                      <p:to>
+                                        <p:strVal val="visible"/>
+                                      </p:to>
+                                    </p:set>
+                                  </p:childTnLst>
+                                </p:cTn>
+                              </p:par>
+                            </p:childTnLst>
+                          </p:cTn>
+                        </p:par>
+                      </p:childTnLst>
+                    </p:cTn>
+                  </p:par>
+                  <p:par>
+                    <p:cTn id="15" fill="hold">
+                      <p:stCondLst>
+                        <p:cond delay="indefinite"/>
+                      </p:stCondLst>
+                      <p:childTnLst>
+                        <p:par>
+                          <p:cTn id="16" fill="hold">
+                            <p:stCondLst>
+                              <p:cond delay="0"/>
+                            </p:stCondLst>
+                            <p:childTnLst>
+                              <p:par>
+                                <p:cTn id="17" presetID="1" presetClass="entr" presetSubtype="0" fill="hold" nodeType="clickEffect">
+                                  <p:stCondLst>
+                                    <p:cond delay="0"/>
+                                  </p:stCondLst>
+                                  <p:childTnLst>
+                                    <p:set>
+                                      <p:cBhvr>
+                                        <p:cTn id="18" dur="1" fill="hold">
+                                          <p:stCondLst>
+                                            <p:cond delay="0"/>
+                                          </p:stCondLst>
+                                        </p:cTn>
+                                        <p:tgtEl>
+                                          <p:spTgt spid="3">
+                                            <p:txEl>
+                                              <p:pRg st="3" end="3"/>
+                                            </p:txEl>
+                                          </p:spTgt>
+                                        </p:tgtEl>
+                                        <p:attrNameLst>
+                                          <p:attrName>style.visibility</p:attrName>
+                                        </p:attrNameLst>
+                                      </p:cBhvr>
+                                      <p:to>
+                                        <p:strVal val="visible"/>
+                                      </p:to>
+                                    </p:set>
+                                  </p:childTnLst>
+                                </p:cTn>
+                              </p:par>
+                            </p:childTnLst>
+                          </p:cTn>
+                        </p:par>
+                      </p:childTnLst>
+                    </p:cTn>
+                  </p:par>
+                </p:childTnLst>
+              </p:cTn>
+              <p:prevCondLst>
+                <p:cond evt="onPrev" delay="0">
+                  <p:tgtEl>
+                    <p:sldTgt/>
+                  </p:tgtEl>
+                </p:cond>
+              </p:prevCondLst>
+              <p:nextCondLst>
+                <p:cond evt="onNext" delay="0">
+                  <p:tgtEl>
+                    <p:sldTgt/>
+                  </p:tgtEl>
+                </p:cond>
+              </p:nextCondLst>
+            </p:seq>
+          </p:childTnLst>
+        </p:cTn>
+      </p:par>
+    </p:tnLst>
+  </p:timing>
+</p:sld>
+</file>
+
+<file path=ppt/slides/slide20.xml><?xml version="1.0" encoding="utf-8"?>
 <p:sld xmlns:a="http://schemas.openxmlformats.org/drawingml/2006/main" xmlns:r="http://schemas.openxmlformats.org/officeDocument/2006/relationships" xmlns:p="http://schemas.openxmlformats.org/presentationml/2006/main">
   <p:cSld>
     <p:bg>
@@ -9792,11 +10842,7 @@
           <a:p>
             <a:r>
               <a:rPr lang="en-US" dirty="0" smtClean="0"/>
-              <a:t>What is </a:t>
-            </a:r>
-            <a:r>
-              <a:rPr lang="en-US" dirty="0" smtClean="0"/>
-              <a:t>GP?</a:t>
+              <a:t>What is GP?</a:t>
             </a:r>
           </a:p>
           <a:p>
@@ -10143,7 +11189,7 @@
             <a:fld id="{D57F1E4F-1CFF-5643-939E-217C01CDF565}" type="slidenum">
               <a:rPr lang="en-US" smtClean="0"/>
               <a:pPr/>
-              <a:t>17</a:t>
+              <a:t>20</a:t>
             </a:fld>
             <a:endParaRPr lang="en-US" dirty="0"/>
           </a:p>
@@ -10523,7 +11569,7 @@
 </p:sld>
 </file>
 
-<file path=ppt/slides/slide18.xml><?xml version="1.0" encoding="utf-8"?>
+<file path=ppt/slides/slide21.xml><?xml version="1.0" encoding="utf-8"?>
 <p:sld xmlns:a="http://schemas.openxmlformats.org/drawingml/2006/main" xmlns:r="http://schemas.openxmlformats.org/officeDocument/2006/relationships" xmlns:p="http://schemas.openxmlformats.org/presentationml/2006/main">
   <p:cSld>
     <p:bg>
@@ -11334,7 +12380,7 @@
             <a:fld id="{D57F1E4F-1CFF-5643-939E-217C01CDF565}" type="slidenum">
               <a:rPr lang="en-US" smtClean="0"/>
               <a:pPr/>
-              <a:t>18</a:t>
+              <a:t>21</a:t>
             </a:fld>
             <a:endParaRPr lang="en-US" dirty="0"/>
           </a:p>
@@ -11710,7 +12756,7 @@
 </p:sld>
 </file>
 
-<file path=ppt/slides/slide19.xml><?xml version="1.0" encoding="utf-8"?>
+<file path=ppt/slides/slide22.xml><?xml version="1.0" encoding="utf-8"?>
 <p:sld xmlns:a="http://schemas.openxmlformats.org/drawingml/2006/main" xmlns:r="http://schemas.openxmlformats.org/officeDocument/2006/relationships" xmlns:p="http://schemas.openxmlformats.org/presentationml/2006/main">
   <p:cSld>
     <p:bg>
@@ -12441,7 +13487,7 @@
             <a:fld id="{D57F1E4F-1CFF-5643-939E-217C01CDF565}" type="slidenum">
               <a:rPr lang="en-US" smtClean="0"/>
               <a:pPr/>
-              <a:t>19</a:t>
+              <a:t>22</a:t>
             </a:fld>
             <a:endParaRPr lang="en-US" dirty="0"/>
           </a:p>
@@ -12758,150 +13804,7 @@
 </p:sld>
 </file>
 
-<file path=ppt/slides/slide2.xml><?xml version="1.0" encoding="utf-8"?>
-<p:sld xmlns:a="http://schemas.openxmlformats.org/drawingml/2006/main" xmlns:r="http://schemas.openxmlformats.org/officeDocument/2006/relationships" xmlns:p="http://schemas.openxmlformats.org/presentationml/2006/main">
-  <p:cSld>
-    <p:bg>
-      <p:bgPr>
-        <a:solidFill>
-          <a:srgbClr val="FFC000">
-            <a:alpha val="3000"/>
-          </a:srgbClr>
-        </a:solidFill>
-        <a:effectLst/>
-      </p:bgPr>
-    </p:bg>
-    <p:spTree>
-      <p:nvGrpSpPr>
-        <p:cNvPr id="1" name=""/>
-        <p:cNvGrpSpPr/>
-        <p:nvPr/>
-      </p:nvGrpSpPr>
-      <p:grpSpPr>
-        <a:xfrm>
-          <a:off x="0" y="0"/>
-          <a:ext cx="0" cy="0"/>
-          <a:chOff x="0" y="0"/>
-          <a:chExt cx="0" cy="0"/>
-        </a:xfrm>
-      </p:grpSpPr>
-      <p:sp>
-        <p:nvSpPr>
-          <p:cNvPr id="2" name="Title 1"/>
-          <p:cNvSpPr>
-            <a:spLocks noGrp="1"/>
-          </p:cNvSpPr>
-          <p:nvPr>
-            <p:ph type="title"/>
-          </p:nvPr>
-        </p:nvSpPr>
-        <p:spPr/>
-        <p:txBody>
-          <a:bodyPr/>
-          <a:lstStyle/>
-          <a:p>
-            <a:r>
-              <a:rPr lang="en-US" dirty="0" smtClean="0"/>
-              <a:t>Topics</a:t>
-            </a:r>
-            <a:endParaRPr lang="en-US" dirty="0"/>
-          </a:p>
-        </p:txBody>
-      </p:sp>
-      <p:sp>
-        <p:nvSpPr>
-          <p:cNvPr id="3" name="Content Placeholder 2"/>
-          <p:cNvSpPr>
-            <a:spLocks noGrp="1"/>
-          </p:cNvSpPr>
-          <p:nvPr>
-            <p:ph idx="1"/>
-          </p:nvPr>
-        </p:nvSpPr>
-        <p:spPr/>
-        <p:txBody>
-          <a:bodyPr/>
-          <a:lstStyle/>
-          <a:p>
-            <a:r>
-              <a:rPr lang="en-US" b="1" dirty="0" smtClean="0"/>
-              <a:t>UCB </a:t>
-            </a:r>
-            <a:r>
-              <a:rPr lang="en-US" b="1" dirty="0" err="1" smtClean="0"/>
-              <a:t>v.s</a:t>
-            </a:r>
-            <a:r>
-              <a:rPr lang="en-US" b="1" dirty="0" smtClean="0"/>
-              <a:t> Thompson Sampling</a:t>
-            </a:r>
-          </a:p>
-          <a:p>
-            <a:r>
-              <a:rPr lang="en-US" b="1" dirty="0" smtClean="0"/>
-              <a:t>Bandits Under Non-Stationary Environment</a:t>
-            </a:r>
-          </a:p>
-          <a:p>
-            <a:r>
-              <a:rPr lang="en-US" b="1" dirty="0" smtClean="0"/>
-              <a:t>Offline Evaluation of Bandit Algorithms</a:t>
-            </a:r>
-          </a:p>
-          <a:p>
-            <a:r>
-              <a:rPr lang="en-US" b="1" dirty="0" smtClean="0"/>
-              <a:t>Gaussian Process Regression</a:t>
-            </a:r>
-            <a:endParaRPr lang="en-US" b="1" dirty="0"/>
-          </a:p>
-        </p:txBody>
-      </p:sp>
-      <p:sp>
-        <p:nvSpPr>
-          <p:cNvPr id="4" name="Slide Number Placeholder 3"/>
-          <p:cNvSpPr>
-            <a:spLocks noGrp="1"/>
-          </p:cNvSpPr>
-          <p:nvPr>
-            <p:ph type="sldNum" sz="quarter" idx="12"/>
-          </p:nvPr>
-        </p:nvSpPr>
-        <p:spPr/>
-        <p:txBody>
-          <a:bodyPr/>
-          <a:lstStyle/>
-          <a:p>
-            <a:fld id="{D57F1E4F-1CFF-5643-939E-217C01CDF565}" type="slidenum">
-              <a:rPr lang="en-US" smtClean="0"/>
-              <a:pPr/>
-              <a:t>2</a:t>
-            </a:fld>
-            <a:endParaRPr lang="en-US" dirty="0"/>
-          </a:p>
-        </p:txBody>
-      </p:sp>
-    </p:spTree>
-    <p:extLst>
-      <p:ext uri="{BB962C8B-B14F-4D97-AF65-F5344CB8AC3E}">
-        <p14:creationId xmlns:p14="http://schemas.microsoft.com/office/powerpoint/2010/main" val="1035057831"/>
-      </p:ext>
-    </p:extLst>
-  </p:cSld>
-  <p:clrMapOvr>
-    <a:masterClrMapping/>
-  </p:clrMapOvr>
-  <p:timing>
-    <p:tnLst>
-      <p:par>
-        <p:cTn id="1" dur="indefinite" restart="never" nodeType="tmRoot"/>
-      </p:par>
-    </p:tnLst>
-  </p:timing>
-</p:sld>
-</file>
-
-<file path=ppt/slides/slide20.xml><?xml version="1.0" encoding="utf-8"?>
+<file path=ppt/slides/slide23.xml><?xml version="1.0" encoding="utf-8"?>
 <p:sld xmlns:a="http://schemas.openxmlformats.org/drawingml/2006/main" xmlns:r="http://schemas.openxmlformats.org/officeDocument/2006/relationships" xmlns:p="http://schemas.openxmlformats.org/presentationml/2006/main">
   <p:cSld>
     <p:bg>
@@ -13299,7 +14202,6 @@
               <a:rPr lang="en-US" dirty="0" smtClean="0"/>
               <a:t>Posterior distribution = Conditional distribution given observed data points:</a:t>
             </a:r>
-            <a:endParaRPr lang="en-US" dirty="0" smtClean="0"/>
           </a:p>
         </p:txBody>
       </p:sp>
@@ -13381,7 +14283,7 @@
             <a:fld id="{D57F1E4F-1CFF-5643-939E-217C01CDF565}" type="slidenum">
               <a:rPr lang="en-US" smtClean="0"/>
               <a:pPr/>
-              <a:t>20</a:t>
+              <a:t>23</a:t>
             </a:fld>
             <a:endParaRPr lang="en-US" dirty="0"/>
           </a:p>
@@ -13663,7 +14565,7 @@
 </p:sld>
 </file>
 
-<file path=ppt/slides/slide21.xml><?xml version="1.0" encoding="utf-8"?>
+<file path=ppt/slides/slide24.xml><?xml version="1.0" encoding="utf-8"?>
 <p:sld xmlns:a="http://schemas.openxmlformats.org/drawingml/2006/main" xmlns:r="http://schemas.openxmlformats.org/officeDocument/2006/relationships" xmlns:p="http://schemas.openxmlformats.org/presentationml/2006/main">
   <p:cSld>
     <p:bg>
@@ -13715,11 +14617,7 @@
             </a:r>
             <a:r>
               <a:rPr lang="en-US" dirty="0" smtClean="0"/>
-              <a:t> </a:t>
-            </a:r>
-            <a:r>
-              <a:rPr lang="en-US" dirty="0" smtClean="0"/>
-              <a:t>Pros and Cons</a:t>
+              <a:t> Pros and Cons</a:t>
             </a:r>
             <a:endParaRPr lang="en-US" dirty="0"/>
           </a:p>
@@ -13866,7 +14764,7 @@
             <a:fld id="{D57F1E4F-1CFF-5643-939E-217C01CDF565}" type="slidenum">
               <a:rPr lang="en-US" smtClean="0"/>
               <a:pPr/>
-              <a:t>21</a:t>
+              <a:t>24</a:t>
             </a:fld>
             <a:endParaRPr lang="en-US" dirty="0"/>
           </a:p>
@@ -14258,7 +15156,7 @@
 </p:sld>
 </file>
 
-<file path=ppt/slides/slide22.xml><?xml version="1.0" encoding="utf-8"?>
+<file path=ppt/slides/slide25.xml><?xml version="1.0" encoding="utf-8"?>
 <p:sld xmlns:a="http://schemas.openxmlformats.org/drawingml/2006/main" xmlns:r="http://schemas.openxmlformats.org/officeDocument/2006/relationships" xmlns:p="http://schemas.openxmlformats.org/presentationml/2006/main">
   <p:cSld>
     <p:bg>
@@ -14477,7 +15375,7 @@
             <a:fld id="{D57F1E4F-1CFF-5643-939E-217C01CDF565}" type="slidenum">
               <a:rPr lang="en-US" smtClean="0"/>
               <a:pPr/>
-              <a:t>22</a:t>
+              <a:t>25</a:t>
             </a:fld>
             <a:endParaRPr lang="en-US" dirty="0"/>
           </a:p>
@@ -14665,7 +15563,7 @@
 </p:sld>
 </file>
 
-<file path=ppt/slides/slide23.xml><?xml version="1.0" encoding="utf-8"?>
+<file path=ppt/slides/slide26.xml><?xml version="1.0" encoding="utf-8"?>
 <p:sld xmlns:a="http://schemas.openxmlformats.org/drawingml/2006/main" xmlns:r="http://schemas.openxmlformats.org/officeDocument/2006/relationships" xmlns:p="http://schemas.openxmlformats.org/presentationml/2006/main">
   <p:cSld>
     <p:spTree>
@@ -14694,19 +15592,37 @@
         </p:nvSpPr>
         <p:spPr>
           <a:xfrm>
-            <a:off x="3478407" y="2797215"/>
+            <a:off x="3595332" y="2484698"/>
             <a:ext cx="8596668" cy="1320800"/>
           </a:xfrm>
         </p:spPr>
         <p:txBody>
           <a:bodyPr>
-            <a:normAutofit/>
+            <a:normAutofit fontScale="90000"/>
           </a:bodyPr>
           <a:lstStyle/>
           <a:p>
             <a:r>
               <a:rPr lang="en-US" sz="4000" dirty="0" smtClean="0"/>
-              <a:t>Thank you!</a:t>
+              <a:t>Thank </a:t>
+            </a:r>
+            <a:r>
+              <a:rPr lang="en-US" sz="4000" smtClean="0"/>
+              <a:t>you!</a:t>
+            </a:r>
+            <a:br>
+              <a:rPr lang="en-US" sz="4000" smtClean="0"/>
+            </a:br>
+            <a:r>
+              <a:rPr lang="en-US" sz="4000" dirty="0" smtClean="0"/>
+              <a:t/>
+            </a:r>
+            <a:br>
+              <a:rPr lang="en-US" sz="4000" dirty="0" smtClean="0"/>
+            </a:br>
+            <a:r>
+              <a:rPr lang="en-US" sz="4000" dirty="0" smtClean="0"/>
+              <a:t>Questions?</a:t>
             </a:r>
             <a:endParaRPr lang="en-US" sz="4000" dirty="0"/>
           </a:p>
@@ -14730,7 +15646,7 @@
             <a:fld id="{D57F1E4F-1CFF-5643-939E-217C01CDF565}" type="slidenum">
               <a:rPr lang="en-US" smtClean="0"/>
               <a:pPr/>
-              <a:t>23</a:t>
+              <a:t>26</a:t>
             </a:fld>
             <a:endParaRPr lang="en-US" dirty="0"/>
           </a:p>
@@ -14756,7 +15672,7 @@
 </p:sld>
 </file>
 
-<file path=ppt/slides/slide24.xml><?xml version="1.0" encoding="utf-8"?>
+<file path=ppt/slides/slide27.xml><?xml version="1.0" encoding="utf-8"?>
 <p:sld xmlns:a="http://schemas.openxmlformats.org/drawingml/2006/main" xmlns:r="http://schemas.openxmlformats.org/officeDocument/2006/relationships" xmlns:p="http://schemas.openxmlformats.org/presentationml/2006/main">
   <p:cSld>
     <p:spTree>
@@ -14866,13 +15782,7 @@
               <a:rPr lang="en-US" sz="1200" dirty="0" smtClean="0">
                 <a:hlinkClick r:id="rId5"/>
               </a:rPr>
-              <a:t>[10] </a:t>
-            </a:r>
-            <a:r>
-              <a:rPr lang="en-US" sz="1200" dirty="0" smtClean="0">
-                <a:hlinkClick r:id="rId5"/>
-              </a:rPr>
-              <a:t>http://katbailey.github.io/post/gaussian-processes-for-dummies/</a:t>
+              <a:t>[10] http://katbailey.github.io/post/gaussian-processes-for-dummies/</a:t>
             </a:r>
             <a:endParaRPr lang="en-US" sz="1200" dirty="0" smtClean="0"/>
           </a:p>
@@ -15351,7 +16261,7 @@
             <a:fld id="{D57F1E4F-1CFF-5643-939E-217C01CDF565}" type="slidenum">
               <a:rPr lang="en-US" smtClean="0"/>
               <a:pPr/>
-              <a:t>24</a:t>
+              <a:t>27</a:t>
             </a:fld>
             <a:endParaRPr lang="en-US" dirty="0"/>
           </a:p>
@@ -16424,31 +17334,14 @@
                   <a:schemeClr val="accent2"/>
                 </a:solidFill>
               </a:rPr>
-              <a:t>Pros</a:t>
-            </a:r>
-            <a:r>
-              <a:rPr lang="en-US" sz="2000" dirty="0" smtClean="0">
-                <a:solidFill>
-                  <a:schemeClr val="accent2"/>
-                </a:solidFill>
-              </a:rPr>
-              <a:t>:</a:t>
-            </a:r>
-            <a:endParaRPr lang="en-US" sz="2000" dirty="0" smtClean="0">
-              <a:solidFill>
-                <a:schemeClr val="accent2"/>
-              </a:solidFill>
-            </a:endParaRPr>
+              <a:t>Pros:</a:t>
+            </a:r>
           </a:p>
           <a:p>
             <a:pPr lvl="1"/>
             <a:r>
               <a:rPr lang="en-US" dirty="0" smtClean="0"/>
-              <a:t>Strong </a:t>
-            </a:r>
-            <a:r>
-              <a:rPr lang="en-US" dirty="0" smtClean="0"/>
-              <a:t>theoretical guarantee </a:t>
+              <a:t>Strong theoretical guarantee </a:t>
             </a:r>
             <a:r>
               <a:rPr lang="mr-IN" dirty="0" smtClean="0"/>
@@ -16458,7 +17351,6 @@
               <a:rPr lang="en-US" dirty="0" smtClean="0"/>
               <a:t> upper bound scales with log of T</a:t>
             </a:r>
-            <a:endParaRPr lang="en-US" dirty="0" smtClean="0"/>
           </a:p>
           <a:p>
             <a:pPr lvl="1"/>
@@ -16466,7 +17358,6 @@
               <a:rPr lang="en-US" dirty="0" smtClean="0"/>
               <a:t>Do not need to sample posterior</a:t>
             </a:r>
-            <a:endParaRPr lang="en-US" dirty="0" smtClean="0"/>
           </a:p>
           <a:p>
             <a:pPr lvl="1"/>
@@ -16486,19 +17377,7 @@
             <a:pPr lvl="1"/>
             <a:r>
               <a:rPr lang="en-US" dirty="0" smtClean="0"/>
-              <a:t>Cannot do batch </a:t>
-            </a:r>
-            <a:r>
-              <a:rPr lang="en-US" dirty="0" smtClean="0"/>
-              <a:t>update. </a:t>
-            </a:r>
-            <a:r>
-              <a:rPr lang="en-US" dirty="0" smtClean="0"/>
-              <a:t>Why</a:t>
-            </a:r>
-            <a:r>
-              <a:rPr lang="en-US" dirty="0" smtClean="0"/>
-              <a:t>?</a:t>
+              <a:t>Cannot do batch update. Why?</a:t>
             </a:r>
           </a:p>
           <a:p>
@@ -16777,6 +17656,103 @@
 <file path=ppt/slides/slide7.xml><?xml version="1.0" encoding="utf-8"?>
 <p:sld xmlns:a="http://schemas.openxmlformats.org/drawingml/2006/main" xmlns:r="http://schemas.openxmlformats.org/officeDocument/2006/relationships" xmlns:p="http://schemas.openxmlformats.org/presentationml/2006/main">
   <p:cSld>
+    <p:spTree>
+      <p:nvGrpSpPr>
+        <p:cNvPr id="1" name=""/>
+        <p:cNvGrpSpPr/>
+        <p:nvPr/>
+      </p:nvGrpSpPr>
+      <p:grpSpPr>
+        <a:xfrm>
+          <a:off x="0" y="0"/>
+          <a:ext cx="0" cy="0"/>
+          <a:chOff x="0" y="0"/>
+          <a:chExt cx="0" cy="0"/>
+        </a:xfrm>
+      </p:grpSpPr>
+      <p:sp>
+        <p:nvSpPr>
+          <p:cNvPr id="2" name="Title 1"/>
+          <p:cNvSpPr>
+            <a:spLocks noGrp="1"/>
+          </p:cNvSpPr>
+          <p:nvPr>
+            <p:ph type="title"/>
+          </p:nvPr>
+        </p:nvSpPr>
+        <p:spPr>
+          <a:xfrm>
+            <a:off x="2552433" y="2750916"/>
+            <a:ext cx="8596668" cy="1320800"/>
+          </a:xfrm>
+        </p:spPr>
+        <p:txBody>
+          <a:bodyPr/>
+          <a:lstStyle/>
+          <a:p>
+            <a:r>
+              <a:rPr lang="en-US" dirty="0" smtClean="0"/>
+              <a:t>UCB </a:t>
+            </a:r>
+            <a:r>
+              <a:rPr lang="mr-IN" dirty="0" smtClean="0"/>
+              <a:t>–</a:t>
+            </a:r>
+            <a:r>
+              <a:rPr lang="en-US" dirty="0" smtClean="0"/>
+              <a:t> Questions?</a:t>
+            </a:r>
+            <a:endParaRPr lang="en-US" dirty="0"/>
+          </a:p>
+        </p:txBody>
+      </p:sp>
+      <p:sp>
+        <p:nvSpPr>
+          <p:cNvPr id="4" name="Slide Number Placeholder 3"/>
+          <p:cNvSpPr>
+            <a:spLocks noGrp="1"/>
+          </p:cNvSpPr>
+          <p:nvPr>
+            <p:ph type="sldNum" sz="quarter" idx="12"/>
+          </p:nvPr>
+        </p:nvSpPr>
+        <p:spPr/>
+        <p:txBody>
+          <a:bodyPr/>
+          <a:lstStyle/>
+          <a:p>
+            <a:fld id="{D57F1E4F-1CFF-5643-939E-217C01CDF565}" type="slidenum">
+              <a:rPr lang="en-US" smtClean="0"/>
+              <a:pPr/>
+              <a:t>7</a:t>
+            </a:fld>
+            <a:endParaRPr lang="en-US" dirty="0"/>
+          </a:p>
+        </p:txBody>
+      </p:sp>
+    </p:spTree>
+    <p:extLst>
+      <p:ext uri="{BB962C8B-B14F-4D97-AF65-F5344CB8AC3E}">
+        <p14:creationId xmlns:p14="http://schemas.microsoft.com/office/powerpoint/2010/main" val="2132525979"/>
+      </p:ext>
+    </p:extLst>
+  </p:cSld>
+  <p:clrMapOvr>
+    <a:masterClrMapping/>
+  </p:clrMapOvr>
+  <p:timing>
+    <p:tnLst>
+      <p:par>
+        <p:cTn id="1" dur="indefinite" restart="never" nodeType="tmRoot"/>
+      </p:par>
+    </p:tnLst>
+  </p:timing>
+</p:sld>
+</file>
+
+<file path=ppt/slides/slide8.xml><?xml version="1.0" encoding="utf-8"?>
+<p:sld xmlns:a="http://schemas.openxmlformats.org/drawingml/2006/main" xmlns:r="http://schemas.openxmlformats.org/officeDocument/2006/relationships" xmlns:p="http://schemas.openxmlformats.org/presentationml/2006/main">
+  <p:cSld>
     <p:bg>
       <p:bgPr>
         <a:solidFill>
@@ -16934,7 +17910,7 @@
             <a:fld id="{D57F1E4F-1CFF-5643-939E-217C01CDF565}" type="slidenum">
               <a:rPr lang="en-US" smtClean="0"/>
               <a:pPr/>
-              <a:t>7</a:t>
+              <a:t>8</a:t>
             </a:fld>
             <a:endParaRPr lang="en-US" dirty="0"/>
           </a:p>
@@ -17139,7 +18115,7 @@
 </p:sld>
 </file>
 
-<file path=ppt/slides/slide8.xml><?xml version="1.0" encoding="utf-8"?>
+<file path=ppt/slides/slide9.xml><?xml version="1.0" encoding="utf-8"?>
 <p:sld xmlns:a="http://schemas.openxmlformats.org/drawingml/2006/main" xmlns:r="http://schemas.openxmlformats.org/officeDocument/2006/relationships" xmlns:p="http://schemas.openxmlformats.org/presentationml/2006/main">
   <p:cSld>
     <p:bg>
@@ -17281,7 +18257,7 @@
             <a:fld id="{D57F1E4F-1CFF-5643-939E-217C01CDF565}" type="slidenum">
               <a:rPr lang="en-US" smtClean="0"/>
               <a:pPr/>
-              <a:t>8</a:t>
+              <a:t>9</a:t>
             </a:fld>
             <a:endParaRPr lang="en-US" dirty="0"/>
           </a:p>
@@ -17494,494 +18470,6 @@
                                           <p:spTgt spid="3">
                                             <p:txEl>
                                               <p:pRg st="5" end="5"/>
-                                            </p:txEl>
-                                          </p:spTgt>
-                                        </p:tgtEl>
-                                        <p:attrNameLst>
-                                          <p:attrName>style.visibility</p:attrName>
-                                        </p:attrNameLst>
-                                      </p:cBhvr>
-                                      <p:to>
-                                        <p:strVal val="visible"/>
-                                      </p:to>
-                                    </p:set>
-                                  </p:childTnLst>
-                                </p:cTn>
-                              </p:par>
-                            </p:childTnLst>
-                          </p:cTn>
-                        </p:par>
-                      </p:childTnLst>
-                    </p:cTn>
-                  </p:par>
-                </p:childTnLst>
-              </p:cTn>
-              <p:prevCondLst>
-                <p:cond evt="onPrev" delay="0">
-                  <p:tgtEl>
-                    <p:sldTgt/>
-                  </p:tgtEl>
-                </p:cond>
-              </p:prevCondLst>
-              <p:nextCondLst>
-                <p:cond evt="onNext" delay="0">
-                  <p:tgtEl>
-                    <p:sldTgt/>
-                  </p:tgtEl>
-                </p:cond>
-              </p:nextCondLst>
-            </p:seq>
-          </p:childTnLst>
-        </p:cTn>
-      </p:par>
-    </p:tnLst>
-  </p:timing>
-</p:sld>
-</file>
-
-<file path=ppt/slides/slide9.xml><?xml version="1.0" encoding="utf-8"?>
-<p:sld xmlns:a="http://schemas.openxmlformats.org/drawingml/2006/main" xmlns:r="http://schemas.openxmlformats.org/officeDocument/2006/relationships" xmlns:p="http://schemas.openxmlformats.org/presentationml/2006/main">
-  <p:cSld>
-    <p:bg>
-      <p:bgPr>
-        <a:solidFill>
-          <a:srgbClr val="00B0F0">
-            <a:alpha val="3000"/>
-          </a:srgbClr>
-        </a:solidFill>
-        <a:effectLst/>
-      </p:bgPr>
-    </p:bg>
-    <p:spTree>
-      <p:nvGrpSpPr>
-        <p:cNvPr id="1" name=""/>
-        <p:cNvGrpSpPr/>
-        <p:nvPr/>
-      </p:nvGrpSpPr>
-      <p:grpSpPr>
-        <a:xfrm>
-          <a:off x="0" y="0"/>
-          <a:ext cx="0" cy="0"/>
-          <a:chOff x="0" y="0"/>
-          <a:chExt cx="0" cy="0"/>
-        </a:xfrm>
-      </p:grpSpPr>
-      <p:sp>
-        <p:nvSpPr>
-          <p:cNvPr id="2" name="Title 1"/>
-          <p:cNvSpPr>
-            <a:spLocks noGrp="1"/>
-          </p:cNvSpPr>
-          <p:nvPr>
-            <p:ph type="title"/>
-          </p:nvPr>
-        </p:nvSpPr>
-        <p:spPr/>
-        <p:txBody>
-          <a:bodyPr/>
-          <a:lstStyle/>
-          <a:p>
-            <a:r>
-              <a:rPr lang="en-US" dirty="0" smtClean="0"/>
-              <a:t>Why is this a problem?</a:t>
-            </a:r>
-            <a:endParaRPr lang="en-US" dirty="0"/>
-          </a:p>
-        </p:txBody>
-      </p:sp>
-      <p:sp>
-        <p:nvSpPr>
-          <p:cNvPr id="3" name="Content Placeholder 2"/>
-          <p:cNvSpPr>
-            <a:spLocks noGrp="1"/>
-          </p:cNvSpPr>
-          <p:nvPr>
-            <p:ph idx="1"/>
-          </p:nvPr>
-        </p:nvSpPr>
-        <p:spPr>
-          <a:xfrm>
-            <a:off x="677334" y="1574157"/>
-            <a:ext cx="8596668" cy="4467205"/>
-          </a:xfrm>
-        </p:spPr>
-        <p:txBody>
-          <a:bodyPr/>
-          <a:lstStyle/>
-          <a:p>
-            <a:r>
-              <a:rPr lang="en-US" dirty="0"/>
-              <a:t>In many real world situations, </a:t>
-            </a:r>
-            <a:r>
-              <a:rPr lang="en-US" dirty="0" smtClean="0"/>
-              <a:t>underlying distribution are not static</a:t>
-            </a:r>
-            <a:endParaRPr lang="en-US" dirty="0"/>
-          </a:p>
-          <a:p>
-            <a:endParaRPr lang="en-US" dirty="0" smtClean="0"/>
-          </a:p>
-          <a:p>
-            <a:r>
-              <a:rPr lang="en-US" dirty="0" smtClean="0"/>
-              <a:t>Factors </a:t>
-            </a:r>
-            <a:r>
-              <a:rPr lang="en-US" dirty="0"/>
-              <a:t>can change suddenly and </a:t>
-            </a:r>
-            <a:r>
-              <a:rPr lang="en-US" dirty="0" smtClean="0"/>
-              <a:t>dramatically</a:t>
-            </a:r>
-          </a:p>
-          <a:p>
-            <a:endParaRPr lang="en-US" dirty="0"/>
-          </a:p>
-          <a:p>
-            <a:r>
-              <a:rPr lang="en-US" dirty="0" smtClean="0"/>
-              <a:t>Examples:</a:t>
-            </a:r>
-          </a:p>
-          <a:p>
-            <a:pPr lvl="1"/>
-            <a:r>
-              <a:rPr lang="en-US" dirty="0"/>
-              <a:t>a user's interest in watching the NBA would suddenly drop in June when the season is over.</a:t>
-            </a:r>
-          </a:p>
-          <a:p>
-            <a:pPr lvl="1"/>
-            <a:r>
-              <a:rPr lang="en-US" dirty="0"/>
-              <a:t>a </a:t>
-            </a:r>
-            <a:r>
-              <a:rPr lang="en-US" dirty="0" smtClean="0"/>
-              <a:t>user’s interest in restaurants in the neighborhood change if </a:t>
-            </a:r>
-            <a:r>
-              <a:rPr lang="en-US" dirty="0"/>
-              <a:t>moved to another </a:t>
-            </a:r>
-            <a:r>
-              <a:rPr lang="en-US" dirty="0" smtClean="0"/>
-              <a:t>city.</a:t>
-            </a:r>
-          </a:p>
-          <a:p>
-            <a:pPr lvl="1"/>
-            <a:r>
-              <a:rPr lang="en-US" dirty="0" smtClean="0"/>
-              <a:t>Any other situation?</a:t>
-            </a:r>
-            <a:endParaRPr lang="en-US" dirty="0"/>
-          </a:p>
-          <a:p>
-            <a:endParaRPr lang="en-US" dirty="0"/>
-          </a:p>
-        </p:txBody>
-      </p:sp>
-      <p:sp>
-        <p:nvSpPr>
-          <p:cNvPr id="4" name="Slide Number Placeholder 3"/>
-          <p:cNvSpPr>
-            <a:spLocks noGrp="1"/>
-          </p:cNvSpPr>
-          <p:nvPr>
-            <p:ph type="sldNum" sz="quarter" idx="12"/>
-          </p:nvPr>
-        </p:nvSpPr>
-        <p:spPr/>
-        <p:txBody>
-          <a:bodyPr/>
-          <a:lstStyle/>
-          <a:p>
-            <a:fld id="{D57F1E4F-1CFF-5643-939E-217C01CDF565}" type="slidenum">
-              <a:rPr lang="en-US" smtClean="0"/>
-              <a:pPr/>
-              <a:t>9</a:t>
-            </a:fld>
-            <a:endParaRPr lang="en-US" dirty="0"/>
-          </a:p>
-        </p:txBody>
-      </p:sp>
-    </p:spTree>
-    <p:extLst>
-      <p:ext uri="{BB962C8B-B14F-4D97-AF65-F5344CB8AC3E}">
-        <p14:creationId xmlns:p14="http://schemas.microsoft.com/office/powerpoint/2010/main" val="381492661"/>
-      </p:ext>
-    </p:extLst>
-  </p:cSld>
-  <p:clrMapOvr>
-    <a:masterClrMapping/>
-  </p:clrMapOvr>
-  <p:timing>
-    <p:tnLst>
-      <p:par>
-        <p:cTn id="1" dur="indefinite" restart="never" nodeType="tmRoot">
-          <p:childTnLst>
-            <p:seq concurrent="1" nextAc="seek">
-              <p:cTn id="2" dur="indefinite" nodeType="mainSeq">
-                <p:childTnLst>
-                  <p:par>
-                    <p:cTn id="3" fill="hold">
-                      <p:stCondLst>
-                        <p:cond delay="indefinite"/>
-                      </p:stCondLst>
-                      <p:childTnLst>
-                        <p:par>
-                          <p:cTn id="4" fill="hold">
-                            <p:stCondLst>
-                              <p:cond delay="0"/>
-                            </p:stCondLst>
-                            <p:childTnLst>
-                              <p:par>
-                                <p:cTn id="5" presetID="1" presetClass="entr" presetSubtype="0" fill="hold" nodeType="clickEffect">
-                                  <p:stCondLst>
-                                    <p:cond delay="0"/>
-                                  </p:stCondLst>
-                                  <p:childTnLst>
-                                    <p:set>
-                                      <p:cBhvr>
-                                        <p:cTn id="6" dur="1" fill="hold">
-                                          <p:stCondLst>
-                                            <p:cond delay="0"/>
-                                          </p:stCondLst>
-                                        </p:cTn>
-                                        <p:tgtEl>
-                                          <p:spTgt spid="3">
-                                            <p:txEl>
-                                              <p:pRg st="0" end="0"/>
-                                            </p:txEl>
-                                          </p:spTgt>
-                                        </p:tgtEl>
-                                        <p:attrNameLst>
-                                          <p:attrName>style.visibility</p:attrName>
-                                        </p:attrNameLst>
-                                      </p:cBhvr>
-                                      <p:to>
-                                        <p:strVal val="visible"/>
-                                      </p:to>
-                                    </p:set>
-                                  </p:childTnLst>
-                                </p:cTn>
-                              </p:par>
-                            </p:childTnLst>
-                          </p:cTn>
-                        </p:par>
-                      </p:childTnLst>
-                    </p:cTn>
-                  </p:par>
-                  <p:par>
-                    <p:cTn id="7" fill="hold">
-                      <p:stCondLst>
-                        <p:cond delay="indefinite"/>
-                      </p:stCondLst>
-                      <p:childTnLst>
-                        <p:par>
-                          <p:cTn id="8" fill="hold">
-                            <p:stCondLst>
-                              <p:cond delay="0"/>
-                            </p:stCondLst>
-                            <p:childTnLst>
-                              <p:par>
-                                <p:cTn id="9" presetID="1" presetClass="entr" presetSubtype="0" fill="hold" nodeType="clickEffect">
-                                  <p:stCondLst>
-                                    <p:cond delay="0"/>
-                                  </p:stCondLst>
-                                  <p:childTnLst>
-                                    <p:set>
-                                      <p:cBhvr>
-                                        <p:cTn id="10" dur="1" fill="hold">
-                                          <p:stCondLst>
-                                            <p:cond delay="0"/>
-                                          </p:stCondLst>
-                                        </p:cTn>
-                                        <p:tgtEl>
-                                          <p:spTgt spid="3">
-                                            <p:txEl>
-                                              <p:pRg st="2" end="2"/>
-                                            </p:txEl>
-                                          </p:spTgt>
-                                        </p:tgtEl>
-                                        <p:attrNameLst>
-                                          <p:attrName>style.visibility</p:attrName>
-                                        </p:attrNameLst>
-                                      </p:cBhvr>
-                                      <p:to>
-                                        <p:strVal val="visible"/>
-                                      </p:to>
-                                    </p:set>
-                                  </p:childTnLst>
-                                </p:cTn>
-                              </p:par>
-                            </p:childTnLst>
-                          </p:cTn>
-                        </p:par>
-                      </p:childTnLst>
-                    </p:cTn>
-                  </p:par>
-                  <p:par>
-                    <p:cTn id="11" fill="hold">
-                      <p:stCondLst>
-                        <p:cond delay="indefinite"/>
-                      </p:stCondLst>
-                      <p:childTnLst>
-                        <p:par>
-                          <p:cTn id="12" fill="hold">
-                            <p:stCondLst>
-                              <p:cond delay="0"/>
-                            </p:stCondLst>
-                            <p:childTnLst>
-                              <p:par>
-                                <p:cTn id="13" presetID="1" presetClass="entr" presetSubtype="0" fill="hold" nodeType="clickEffect">
-                                  <p:stCondLst>
-                                    <p:cond delay="0"/>
-                                  </p:stCondLst>
-                                  <p:childTnLst>
-                                    <p:set>
-                                      <p:cBhvr>
-                                        <p:cTn id="14" dur="1" fill="hold">
-                                          <p:stCondLst>
-                                            <p:cond delay="0"/>
-                                          </p:stCondLst>
-                                        </p:cTn>
-                                        <p:tgtEl>
-                                          <p:spTgt spid="3">
-                                            <p:txEl>
-                                              <p:pRg st="4" end="4"/>
-                                            </p:txEl>
-                                          </p:spTgt>
-                                        </p:tgtEl>
-                                        <p:attrNameLst>
-                                          <p:attrName>style.visibility</p:attrName>
-                                        </p:attrNameLst>
-                                      </p:cBhvr>
-                                      <p:to>
-                                        <p:strVal val="visible"/>
-                                      </p:to>
-                                    </p:set>
-                                  </p:childTnLst>
-                                </p:cTn>
-                              </p:par>
-                              <p:par>
-                                <p:cTn id="15" presetID="1" presetClass="entr" presetSubtype="0" fill="hold" nodeType="withEffect">
-                                  <p:stCondLst>
-                                    <p:cond delay="0"/>
-                                  </p:stCondLst>
-                                  <p:childTnLst>
-                                    <p:set>
-                                      <p:cBhvr>
-                                        <p:cTn id="16" dur="1" fill="hold">
-                                          <p:stCondLst>
-                                            <p:cond delay="0"/>
-                                          </p:stCondLst>
-                                        </p:cTn>
-                                        <p:tgtEl>
-                                          <p:spTgt spid="3">
-                                            <p:txEl>
-                                              <p:pRg st="5" end="5"/>
-                                            </p:txEl>
-                                          </p:spTgt>
-                                        </p:tgtEl>
-                                        <p:attrNameLst>
-                                          <p:attrName>style.visibility</p:attrName>
-                                        </p:attrNameLst>
-                                      </p:cBhvr>
-                                      <p:to>
-                                        <p:strVal val="visible"/>
-                                      </p:to>
-                                    </p:set>
-                                  </p:childTnLst>
-                                </p:cTn>
-                              </p:par>
-                            </p:childTnLst>
-                          </p:cTn>
-                        </p:par>
-                      </p:childTnLst>
-                    </p:cTn>
-                  </p:par>
-                  <p:par>
-                    <p:cTn id="17" fill="hold">
-                      <p:stCondLst>
-                        <p:cond delay="indefinite"/>
-                      </p:stCondLst>
-                      <p:childTnLst>
-                        <p:par>
-                          <p:cTn id="18" fill="hold">
-                            <p:stCondLst>
-                              <p:cond delay="0"/>
-                            </p:stCondLst>
-                            <p:childTnLst>
-                              <p:par>
-                                <p:cTn id="19" presetID="1" presetClass="entr" presetSubtype="0" fill="hold" nodeType="clickEffect">
-                                  <p:stCondLst>
-                                    <p:cond delay="0"/>
-                                  </p:stCondLst>
-                                  <p:childTnLst>
-                                    <p:set>
-                                      <p:cBhvr>
-                                        <p:cTn id="20" dur="1" fill="hold">
-                                          <p:stCondLst>
-                                            <p:cond delay="0"/>
-                                          </p:stCondLst>
-                                        </p:cTn>
-                                        <p:tgtEl>
-                                          <p:spTgt spid="3">
-                                            <p:txEl>
-                                              <p:pRg st="6" end="6"/>
-                                            </p:txEl>
-                                          </p:spTgt>
-                                        </p:tgtEl>
-                                        <p:attrNameLst>
-                                          <p:attrName>style.visibility</p:attrName>
-                                        </p:attrNameLst>
-                                      </p:cBhvr>
-                                      <p:to>
-                                        <p:strVal val="visible"/>
-                                      </p:to>
-                                    </p:set>
-                                  </p:childTnLst>
-                                </p:cTn>
-                              </p:par>
-                            </p:childTnLst>
-                          </p:cTn>
-                        </p:par>
-                      </p:childTnLst>
-                    </p:cTn>
-                  </p:par>
-                  <p:par>
-                    <p:cTn id="21" fill="hold">
-                      <p:stCondLst>
-                        <p:cond delay="indefinite"/>
-                      </p:stCondLst>
-                      <p:childTnLst>
-                        <p:par>
-                          <p:cTn id="22" fill="hold">
-                            <p:stCondLst>
-                              <p:cond delay="0"/>
-                            </p:stCondLst>
-                            <p:childTnLst>
-                              <p:par>
-                                <p:cTn id="23" presetID="1" presetClass="entr" presetSubtype="0" fill="hold" nodeType="clickEffect">
-                                  <p:stCondLst>
-                                    <p:cond delay="0"/>
-                                  </p:stCondLst>
-                                  <p:childTnLst>
-                                    <p:set>
-                                      <p:cBhvr>
-                                        <p:cTn id="24" dur="1" fill="hold">
-                                          <p:stCondLst>
-                                            <p:cond delay="0"/>
-                                          </p:stCondLst>
-                                        </p:cTn>
-                                        <p:tgtEl>
-                                          <p:spTgt spid="3">
-                                            <p:txEl>
-                                              <p:pRg st="7" end="7"/>
                                             </p:txEl>
                                           </p:spTgt>
                                         </p:tgtEl>
